--- a/files/teaching-resources/monmouthcollege-econ-300/econ-300-f2024/econ-300-f2024-lecture-note/ECON300-LEC01.pptx
+++ b/files/teaching-resources/monmouthcollege-econ-300/econ-300-f2024/econ-300-f2024-lecture-note/ECON300-LEC01.pptx
@@ -12752,6 +12752,15 @@
           <a:p>
             <a:r>
               <a:rPr lang="en-US" dirty="0"/>
+              <a:t>What is Economics?</a:t>
+            </a:r>
+          </a:p>
+          <a:p>
+            <a:endParaRPr lang="en-US" sz="1200" dirty="0"/>
+          </a:p>
+          <a:p>
+            <a:r>
+              <a:rPr lang="en-US" dirty="0"/>
               <a:t>Introduction to Microeconomics</a:t>
             </a:r>
           </a:p>
@@ -12796,17 +12805,10 @@
               <a:rPr lang="en-US" dirty="0"/>
               <a:t>How it Relates to Preferences</a:t>
             </a:r>
+          </a:p>
+          <a:p>
+            <a:pPr lvl="1"/>
             <a:endParaRPr lang="en-US" sz="1200" dirty="0"/>
-          </a:p>
-          <a:p>
-            <a:pPr lvl="3"/>
-            <a:endParaRPr lang="en-US" dirty="0"/>
-          </a:p>
-          <a:p>
-            <a:r>
-              <a:rPr lang="en-US" dirty="0"/>
-              <a:t>Read 3.2 Budget Constraints (Page 82 ~ 86)</a:t>
-            </a:r>
           </a:p>
         </p:txBody>
       </p:sp>
